--- a/deep-learning-in-practice-with-pytorch/1-introduction.pptx
+++ b/deep-learning-in-practice-with-pytorch/1-introduction.pptx
@@ -5,7 +5,7 @@
     <p:sldMasterId id="2147483648" r:id="rId1"/>
   </p:sldMasterIdLst>
   <p:notesMasterIdLst>
-    <p:notesMasterId r:id="rId17"/>
+    <p:notesMasterId r:id="rId19"/>
   </p:notesMasterIdLst>
   <p:sldIdLst>
     <p:sldId id="257" r:id="rId2"/>
@@ -20,9 +20,11 @@
     <p:sldId id="296" r:id="rId11"/>
     <p:sldId id="297" r:id="rId12"/>
     <p:sldId id="298" r:id="rId13"/>
-    <p:sldId id="266" r:id="rId14"/>
-    <p:sldId id="295" r:id="rId15"/>
-    <p:sldId id="265" r:id="rId16"/>
+    <p:sldId id="300" r:id="rId14"/>
+    <p:sldId id="266" r:id="rId15"/>
+    <p:sldId id="295" r:id="rId16"/>
+    <p:sldId id="301" r:id="rId17"/>
+    <p:sldId id="265" r:id="rId18"/>
   </p:sldIdLst>
   <p:sldSz cx="12192000" cy="6858000"/>
   <p:notesSz cx="6858000" cy="9144000"/>
@@ -211,7 +213,7 @@
           <a:p>
             <a:fld id="{C8652949-E600-4D43-A26B-20271E89D95E}" type="datetimeFigureOut">
               <a:rPr lang="en-US" smtClean="0"/>
-              <a:t>12/5/2023</a:t>
+              <a:t>3/26/2024</a:t>
             </a:fld>
             <a:endParaRPr lang="en-US"/>
           </a:p>
@@ -1848,16 +1850,7 @@
                 </a:solidFill>
                 <a:latin typeface="+mn-lt"/>
               </a:rPr>
-              <a:t>TITLE OF THE PRESENTATION HERE (MODIFY IN VIEW -&gt; MASK</a:t>
-            </a:r>
-            <a:r>
-              <a:rPr lang="it-IT" sz="1000" baseline="0" dirty="0">
-                <a:solidFill>
-                  <a:srgbClr val="275662"/>
-                </a:solidFill>
-                <a:latin typeface="+mn-lt"/>
-              </a:rPr>
-              <a:t> / AFFICHAGE -&gt; MASQUE DE DIAPOSITIVES) </a:t>
+              <a:t>INTRODUCTION TO DEEP LEARNING IN PRACTICE WITH PYTORCH</a:t>
             </a:r>
             <a:endParaRPr lang="fr-FR" sz="1000" dirty="0">
               <a:solidFill>
@@ -2496,6 +2489,390 @@
           </a:p>
         </p:txBody>
       </p:sp>
+      <p:grpSp>
+        <p:nvGrpSpPr>
+          <p:cNvPr id="6" name="Groupe 5">
+            <a:extLst>
+              <a:ext uri="{FF2B5EF4-FFF2-40B4-BE49-F238E27FC236}">
+                <a16:creationId xmlns:a16="http://schemas.microsoft.com/office/drawing/2014/main" id="{F937EB5B-0219-4A7A-B1B7-A53BFF273A5B}"/>
+              </a:ext>
+            </a:extLst>
+          </p:cNvPr>
+          <p:cNvGrpSpPr/>
+          <p:nvPr/>
+        </p:nvGrpSpPr>
+        <p:grpSpPr>
+          <a:xfrm>
+            <a:off x="8604506" y="1723998"/>
+            <a:ext cx="3279175" cy="1411563"/>
+            <a:chOff x="8090442" y="1593682"/>
+            <a:chExt cx="3279175" cy="1411563"/>
+          </a:xfrm>
+        </p:grpSpPr>
+        <p:pic>
+          <p:nvPicPr>
+            <p:cNvPr id="5" name="Image 4">
+              <a:extLst>
+                <a:ext uri="{FF2B5EF4-FFF2-40B4-BE49-F238E27FC236}">
+                  <a16:creationId xmlns:a16="http://schemas.microsoft.com/office/drawing/2014/main" id="{CBF4864E-9C47-4116-AF09-0122D1E1D907}"/>
+                </a:ext>
+              </a:extLst>
+            </p:cNvPr>
+            <p:cNvPicPr>
+              <a:picLocks noChangeAspect="1"/>
+            </p:cNvPicPr>
+            <p:nvPr/>
+          </p:nvPicPr>
+          <p:blipFill>
+            <a:blip r:embed="rId2"/>
+            <a:stretch>
+              <a:fillRect/>
+            </a:stretch>
+          </p:blipFill>
+          <p:spPr>
+            <a:xfrm>
+              <a:off x="8090442" y="1593682"/>
+              <a:ext cx="2886478" cy="962159"/>
+            </a:xfrm>
+            <a:prstGeom prst="rect">
+              <a:avLst/>
+            </a:prstGeom>
+          </p:spPr>
+        </p:pic>
+        <p:pic>
+          <p:nvPicPr>
+            <p:cNvPr id="2050" name="Picture 2">
+              <a:extLst>
+                <a:ext uri="{FF2B5EF4-FFF2-40B4-BE49-F238E27FC236}">
+                  <a16:creationId xmlns:a16="http://schemas.microsoft.com/office/drawing/2014/main" id="{34571733-46A4-4D0D-BF5D-50F5A7A331FD}"/>
+                </a:ext>
+              </a:extLst>
+            </p:cNvPr>
+            <p:cNvPicPr>
+              <a:picLocks noChangeAspect="1" noChangeArrowheads="1"/>
+            </p:cNvPicPr>
+            <p:nvPr/>
+          </p:nvPicPr>
+          <p:blipFill>
+            <a:blip r:embed="rId3" cstate="print">
+              <a:extLst>
+                <a:ext uri="{28A0092B-C50C-407E-A947-70E740481C1C}">
+                  <a14:useLocalDpi xmlns:a14="http://schemas.microsoft.com/office/drawing/2010/main" val="0"/>
+                </a:ext>
+              </a:extLst>
+            </a:blip>
+            <a:srcRect/>
+            <a:stretch>
+              <a:fillRect/>
+            </a:stretch>
+          </p:blipFill>
+          <p:spPr bwMode="auto">
+            <a:xfrm>
+              <a:off x="10584223" y="2219851"/>
+              <a:ext cx="785394" cy="785394"/>
+            </a:xfrm>
+            <a:prstGeom prst="rect">
+              <a:avLst/>
+            </a:prstGeom>
+            <a:noFill/>
+            <a:extLst>
+              <a:ext uri="{909E8E84-426E-40DD-AFC4-6F175D3DCCD1}">
+                <a14:hiddenFill xmlns:a14="http://schemas.microsoft.com/office/drawing/2010/main">
+                  <a:solidFill>
+                    <a:srgbClr val="FFFFFF"/>
+                  </a:solidFill>
+                </a14:hiddenFill>
+              </a:ext>
+            </a:extLst>
+          </p:spPr>
+        </p:pic>
+      </p:grpSp>
+      <p:grpSp>
+        <p:nvGrpSpPr>
+          <p:cNvPr id="7" name="Groupe 6">
+            <a:extLst>
+              <a:ext uri="{FF2B5EF4-FFF2-40B4-BE49-F238E27FC236}">
+                <a16:creationId xmlns:a16="http://schemas.microsoft.com/office/drawing/2014/main" id="{872B1539-ED64-4668-B741-1ED97EBE8E56}"/>
+              </a:ext>
+            </a:extLst>
+          </p:cNvPr>
+          <p:cNvGrpSpPr/>
+          <p:nvPr/>
+        </p:nvGrpSpPr>
+        <p:grpSpPr>
+          <a:xfrm>
+            <a:off x="7941709" y="3304810"/>
+            <a:ext cx="3648094" cy="1246213"/>
+            <a:chOff x="8212237" y="3896649"/>
+            <a:chExt cx="3648094" cy="1246213"/>
+          </a:xfrm>
+        </p:grpSpPr>
+        <p:pic>
+          <p:nvPicPr>
+            <p:cNvPr id="2052" name="Picture 4">
+              <a:extLst>
+                <a:ext uri="{FF2B5EF4-FFF2-40B4-BE49-F238E27FC236}">
+                  <a16:creationId xmlns:a16="http://schemas.microsoft.com/office/drawing/2014/main" id="{B34D9687-C675-4847-88B4-B444EE070FDC}"/>
+                </a:ext>
+              </a:extLst>
+            </p:cNvPr>
+            <p:cNvPicPr>
+              <a:picLocks noChangeAspect="1" noChangeArrowheads="1"/>
+            </p:cNvPicPr>
+            <p:nvPr/>
+          </p:nvPicPr>
+          <p:blipFill>
+            <a:blip r:embed="rId4" cstate="print">
+              <a:extLst>
+                <a:ext uri="{28A0092B-C50C-407E-A947-70E740481C1C}">
+                  <a14:useLocalDpi xmlns:a14="http://schemas.microsoft.com/office/drawing/2010/main" val="0"/>
+                </a:ext>
+              </a:extLst>
+            </a:blip>
+            <a:srcRect/>
+            <a:stretch>
+              <a:fillRect/>
+            </a:stretch>
+          </p:blipFill>
+          <p:spPr bwMode="auto">
+            <a:xfrm>
+              <a:off x="8212237" y="3896649"/>
+              <a:ext cx="3166307" cy="785393"/>
+            </a:xfrm>
+            <a:prstGeom prst="rect">
+              <a:avLst/>
+            </a:prstGeom>
+            <a:noFill/>
+            <a:extLst>
+              <a:ext uri="{909E8E84-426E-40DD-AFC4-6F175D3DCCD1}">
+                <a14:hiddenFill xmlns:a14="http://schemas.microsoft.com/office/drawing/2010/main">
+                  <a:solidFill>
+                    <a:srgbClr val="FFFFFF"/>
+                  </a:solidFill>
+                </a14:hiddenFill>
+              </a:ext>
+            </a:extLst>
+          </p:spPr>
+        </p:pic>
+        <p:pic>
+          <p:nvPicPr>
+            <p:cNvPr id="2056" name="Picture 8" descr="Meta Logo and symbol, meaning, history, PNG">
+              <a:extLst>
+                <a:ext uri="{FF2B5EF4-FFF2-40B4-BE49-F238E27FC236}">
+                  <a16:creationId xmlns:a16="http://schemas.microsoft.com/office/drawing/2014/main" id="{774380EA-E6B5-4439-B8AE-0B24F39AE243}"/>
+                </a:ext>
+              </a:extLst>
+            </p:cNvPr>
+            <p:cNvPicPr>
+              <a:picLocks noChangeAspect="1" noChangeArrowheads="1"/>
+            </p:cNvPicPr>
+            <p:nvPr/>
+          </p:nvPicPr>
+          <p:blipFill>
+            <a:blip r:embed="rId5" cstate="print">
+              <a:extLst>
+                <a:ext uri="{28A0092B-C50C-407E-A947-70E740481C1C}">
+                  <a14:useLocalDpi xmlns:a14="http://schemas.microsoft.com/office/drawing/2010/main" val="0"/>
+                </a:ext>
+              </a:extLst>
+            </a:blip>
+            <a:srcRect/>
+            <a:stretch>
+              <a:fillRect/>
+            </a:stretch>
+          </p:blipFill>
+          <p:spPr bwMode="auto">
+            <a:xfrm>
+              <a:off x="10857053" y="4578518"/>
+              <a:ext cx="1003278" cy="564344"/>
+            </a:xfrm>
+            <a:prstGeom prst="rect">
+              <a:avLst/>
+            </a:prstGeom>
+            <a:noFill/>
+            <a:extLst>
+              <a:ext uri="{909E8E84-426E-40DD-AFC4-6F175D3DCCD1}">
+                <a14:hiddenFill xmlns:a14="http://schemas.microsoft.com/office/drawing/2010/main">
+                  <a:solidFill>
+                    <a:srgbClr val="FFFFFF"/>
+                  </a:solidFill>
+                </a14:hiddenFill>
+              </a:ext>
+            </a:extLst>
+          </p:spPr>
+        </p:pic>
+      </p:grpSp>
+      <p:pic>
+        <p:nvPicPr>
+          <p:cNvPr id="2058" name="Picture 10">
+            <a:extLst>
+              <a:ext uri="{FF2B5EF4-FFF2-40B4-BE49-F238E27FC236}">
+                <a16:creationId xmlns:a16="http://schemas.microsoft.com/office/drawing/2014/main" id="{6A141BF0-FB45-4064-B75A-162F32586717}"/>
+              </a:ext>
+            </a:extLst>
+          </p:cNvPr>
+          <p:cNvPicPr>
+            <a:picLocks noChangeAspect="1" noChangeArrowheads="1"/>
+          </p:cNvPicPr>
+          <p:nvPr/>
+        </p:nvPicPr>
+        <p:blipFill>
+          <a:blip r:embed="rId6" cstate="print">
+            <a:extLst>
+              <a:ext uri="{28A0092B-C50C-407E-A947-70E740481C1C}">
+                <a14:useLocalDpi xmlns:a14="http://schemas.microsoft.com/office/drawing/2010/main" val="0"/>
+              </a:ext>
+            </a:extLst>
+          </a:blip>
+          <a:srcRect/>
+          <a:stretch>
+            <a:fillRect/>
+          </a:stretch>
+        </p:blipFill>
+        <p:spPr bwMode="auto">
+          <a:xfrm>
+            <a:off x="7373542" y="4515840"/>
+            <a:ext cx="2794087" cy="643950"/>
+          </a:xfrm>
+          <a:prstGeom prst="rect">
+            <a:avLst/>
+          </a:prstGeom>
+          <a:noFill/>
+          <a:extLst>
+            <a:ext uri="{909E8E84-426E-40DD-AFC4-6F175D3DCCD1}">
+              <a14:hiddenFill xmlns:a14="http://schemas.microsoft.com/office/drawing/2010/main">
+                <a:solidFill>
+                  <a:srgbClr val="FFFFFF"/>
+                </a:solidFill>
+              </a14:hiddenFill>
+            </a:ext>
+          </a:extLst>
+        </p:spPr>
+      </p:pic>
+      <p:pic>
+        <p:nvPicPr>
+          <p:cNvPr id="9" name="Image 8">
+            <a:extLst>
+              <a:ext uri="{FF2B5EF4-FFF2-40B4-BE49-F238E27FC236}">
+                <a16:creationId xmlns:a16="http://schemas.microsoft.com/office/drawing/2014/main" id="{B1FF8354-BF44-4DA9-9AE9-8CC6253ADFF8}"/>
+              </a:ext>
+            </a:extLst>
+          </p:cNvPr>
+          <p:cNvPicPr>
+            <a:picLocks noChangeAspect="1"/>
+          </p:cNvPicPr>
+          <p:nvPr/>
+        </p:nvPicPr>
+        <p:blipFill>
+          <a:blip r:embed="rId7"/>
+          <a:stretch>
+            <a:fillRect/>
+          </a:stretch>
+        </p:blipFill>
+        <p:spPr>
+          <a:xfrm>
+            <a:off x="8382961" y="5100607"/>
+            <a:ext cx="2857500" cy="885825"/>
+          </a:xfrm>
+          <a:prstGeom prst="rect">
+            <a:avLst/>
+          </a:prstGeom>
+        </p:spPr>
+      </p:pic>
+      <p:pic>
+        <p:nvPicPr>
+          <p:cNvPr id="2062" name="Picture 14" descr="Partenariat avec l'Université de Montréal - Nantes Université">
+            <a:extLst>
+              <a:ext uri="{FF2B5EF4-FFF2-40B4-BE49-F238E27FC236}">
+                <a16:creationId xmlns:a16="http://schemas.microsoft.com/office/drawing/2014/main" id="{4FCBC75B-6ED0-43B7-87B7-313E9CEC8F86}"/>
+              </a:ext>
+            </a:extLst>
+          </p:cNvPr>
+          <p:cNvPicPr>
+            <a:picLocks noChangeAspect="1" noChangeArrowheads="1"/>
+          </p:cNvPicPr>
+          <p:nvPr/>
+        </p:nvPicPr>
+        <p:blipFill>
+          <a:blip r:embed="rId8" cstate="print">
+            <a:extLst>
+              <a:ext uri="{28A0092B-C50C-407E-A947-70E740481C1C}">
+                <a14:useLocalDpi xmlns:a14="http://schemas.microsoft.com/office/drawing/2010/main" val="0"/>
+              </a:ext>
+            </a:extLst>
+          </a:blip>
+          <a:srcRect/>
+          <a:stretch>
+            <a:fillRect/>
+          </a:stretch>
+        </p:blipFill>
+        <p:spPr bwMode="auto">
+          <a:xfrm>
+            <a:off x="10079322" y="5434642"/>
+            <a:ext cx="2112678" cy="996222"/>
+          </a:xfrm>
+          <a:prstGeom prst="rect">
+            <a:avLst/>
+          </a:prstGeom>
+          <a:noFill/>
+          <a:extLst>
+            <a:ext uri="{909E8E84-426E-40DD-AFC4-6F175D3DCCD1}">
+              <a14:hiddenFill xmlns:a14="http://schemas.microsoft.com/office/drawing/2010/main">
+                <a:solidFill>
+                  <a:srgbClr val="FFFFFF"/>
+                </a:solidFill>
+              </a14:hiddenFill>
+            </a:ext>
+          </a:extLst>
+        </p:spPr>
+      </p:pic>
+      <p:pic>
+        <p:nvPicPr>
+          <p:cNvPr id="2064" name="Picture 16" descr="Tensorflow logo - Icônes Médias sociaux et logos">
+            <a:extLst>
+              <a:ext uri="{FF2B5EF4-FFF2-40B4-BE49-F238E27FC236}">
+                <a16:creationId xmlns:a16="http://schemas.microsoft.com/office/drawing/2014/main" id="{FEF783FE-87BA-445D-9FB9-29E5CA5D2960}"/>
+              </a:ext>
+            </a:extLst>
+          </p:cNvPr>
+          <p:cNvPicPr>
+            <a:picLocks noChangeAspect="1" noChangeArrowheads="1"/>
+          </p:cNvPicPr>
+          <p:nvPr/>
+        </p:nvPicPr>
+        <p:blipFill>
+          <a:blip r:embed="rId9">
+            <a:extLst>
+              <a:ext uri="{28A0092B-C50C-407E-A947-70E740481C1C}">
+                <a14:useLocalDpi xmlns:a14="http://schemas.microsoft.com/office/drawing/2010/main" val="0"/>
+              </a:ext>
+            </a:extLst>
+          </a:blip>
+          <a:srcRect/>
+          <a:stretch>
+            <a:fillRect/>
+          </a:stretch>
+        </p:blipFill>
+        <p:spPr bwMode="auto">
+          <a:xfrm>
+            <a:off x="6904392" y="421633"/>
+            <a:ext cx="4136020" cy="2068010"/>
+          </a:xfrm>
+          <a:prstGeom prst="rect">
+            <a:avLst/>
+          </a:prstGeom>
+          <a:noFill/>
+          <a:extLst>
+            <a:ext uri="{909E8E84-426E-40DD-AFC4-6F175D3DCCD1}">
+              <a14:hiddenFill xmlns:a14="http://schemas.microsoft.com/office/drawing/2010/main">
+                <a:solidFill>
+                  <a:srgbClr val="FFFFFF"/>
+                </a:solidFill>
+              </a14:hiddenFill>
+            </a:ext>
+          </a:extLst>
+        </p:spPr>
+      </p:pic>
     </p:spTree>
     <p:extLst>
       <p:ext uri="{BB962C8B-B14F-4D97-AF65-F5344CB8AC3E}">
@@ -2853,6 +3230,294 @@
           <p:cNvPr id="2" name="Titre 1">
             <a:extLst>
               <a:ext uri="{FF2B5EF4-FFF2-40B4-BE49-F238E27FC236}">
+                <a16:creationId xmlns:a16="http://schemas.microsoft.com/office/drawing/2014/main" id="{ADAB67FD-0D35-4596-A0F1-D166884B3CEC}"/>
+              </a:ext>
+            </a:extLst>
+          </p:cNvPr>
+          <p:cNvSpPr>
+            <a:spLocks noGrp="1"/>
+          </p:cNvSpPr>
+          <p:nvPr>
+            <p:ph type="title"/>
+          </p:nvPr>
+        </p:nvSpPr>
+        <p:spPr/>
+        <p:txBody>
+          <a:bodyPr/>
+          <a:lstStyle/>
+          <a:p>
+            <a:r>
+              <a:rPr lang="en-US" dirty="0"/>
+              <a:t>Competition</a:t>
+            </a:r>
+          </a:p>
+        </p:txBody>
+      </p:sp>
+      <p:sp>
+        <p:nvSpPr>
+          <p:cNvPr id="3" name="Espace réservé du texte 2">
+            <a:extLst>
+              <a:ext uri="{FF2B5EF4-FFF2-40B4-BE49-F238E27FC236}">
+                <a16:creationId xmlns:a16="http://schemas.microsoft.com/office/drawing/2014/main" id="{1D82CBB8-BE4C-4514-9DD1-4457C28B9FC8}"/>
+              </a:ext>
+            </a:extLst>
+          </p:cNvPr>
+          <p:cNvSpPr>
+            <a:spLocks noGrp="1"/>
+          </p:cNvSpPr>
+          <p:nvPr>
+            <p:ph type="body" sz="quarter" idx="10"/>
+          </p:nvPr>
+        </p:nvSpPr>
+        <p:spPr/>
+        <p:txBody>
+          <a:bodyPr/>
+          <a:lstStyle/>
+          <a:p>
+            <a:endParaRPr lang="en-US"/>
+          </a:p>
+        </p:txBody>
+      </p:sp>
+      <p:pic>
+        <p:nvPicPr>
+          <p:cNvPr id="1026" name="Picture 2" descr="undefined">
+            <a:extLst>
+              <a:ext uri="{FF2B5EF4-FFF2-40B4-BE49-F238E27FC236}">
+                <a16:creationId xmlns:a16="http://schemas.microsoft.com/office/drawing/2014/main" id="{23E33EBC-7CC5-494A-9B7A-73E55A857CF2}"/>
+              </a:ext>
+            </a:extLst>
+          </p:cNvPr>
+          <p:cNvPicPr>
+            <a:picLocks noChangeAspect="1" noChangeArrowheads="1"/>
+          </p:cNvPicPr>
+          <p:nvPr/>
+        </p:nvPicPr>
+        <p:blipFill>
+          <a:blip r:embed="rId2" cstate="print">
+            <a:extLst>
+              <a:ext uri="{28A0092B-C50C-407E-A947-70E740481C1C}">
+                <a14:useLocalDpi xmlns:a14="http://schemas.microsoft.com/office/drawing/2010/main" val="0"/>
+              </a:ext>
+            </a:extLst>
+          </a:blip>
+          <a:srcRect/>
+          <a:stretch>
+            <a:fillRect/>
+          </a:stretch>
+        </p:blipFill>
+        <p:spPr bwMode="auto">
+          <a:xfrm>
+            <a:off x="8178592" y="1773721"/>
+            <a:ext cx="1995555" cy="1154674"/>
+          </a:xfrm>
+          <a:prstGeom prst="rect">
+            <a:avLst/>
+          </a:prstGeom>
+          <a:noFill/>
+          <a:extLst>
+            <a:ext uri="{909E8E84-426E-40DD-AFC4-6F175D3DCCD1}">
+              <a14:hiddenFill xmlns:a14="http://schemas.microsoft.com/office/drawing/2010/main">
+                <a:solidFill>
+                  <a:srgbClr val="FFFFFF"/>
+                </a:solidFill>
+              </a14:hiddenFill>
+            </a:ext>
+          </a:extLst>
+        </p:spPr>
+      </p:pic>
+      <p:pic>
+        <p:nvPicPr>
+          <p:cNvPr id="1028" name="Picture 4" descr="Image">
+            <a:extLst>
+              <a:ext uri="{FF2B5EF4-FFF2-40B4-BE49-F238E27FC236}">
+                <a16:creationId xmlns:a16="http://schemas.microsoft.com/office/drawing/2014/main" id="{3AD53222-75AC-4509-B63C-DA427AC3ADBF}"/>
+              </a:ext>
+            </a:extLst>
+          </p:cNvPr>
+          <p:cNvPicPr>
+            <a:picLocks noChangeAspect="1" noChangeArrowheads="1"/>
+          </p:cNvPicPr>
+          <p:nvPr/>
+        </p:nvPicPr>
+        <p:blipFill>
+          <a:blip r:embed="rId3" cstate="print">
+            <a:extLst>
+              <a:ext uri="{28A0092B-C50C-407E-A947-70E740481C1C}">
+                <a14:useLocalDpi xmlns:a14="http://schemas.microsoft.com/office/drawing/2010/main" val="0"/>
+              </a:ext>
+            </a:extLst>
+          </a:blip>
+          <a:srcRect/>
+          <a:stretch>
+            <a:fillRect/>
+          </a:stretch>
+        </p:blipFill>
+        <p:spPr bwMode="auto">
+          <a:xfrm>
+            <a:off x="1464673" y="1999527"/>
+            <a:ext cx="4485681" cy="3624114"/>
+          </a:xfrm>
+          <a:prstGeom prst="rect">
+            <a:avLst/>
+          </a:prstGeom>
+          <a:noFill/>
+          <a:extLst>
+            <a:ext uri="{909E8E84-426E-40DD-AFC4-6F175D3DCCD1}">
+              <a14:hiddenFill xmlns:a14="http://schemas.microsoft.com/office/drawing/2010/main">
+                <a:solidFill>
+                  <a:srgbClr val="FFFFFF"/>
+                </a:solidFill>
+              </a14:hiddenFill>
+            </a:ext>
+          </a:extLst>
+        </p:spPr>
+      </p:pic>
+      <p:pic>
+        <p:nvPicPr>
+          <p:cNvPr id="1030" name="Picture 6" descr="logo">
+            <a:extLst>
+              <a:ext uri="{FF2B5EF4-FFF2-40B4-BE49-F238E27FC236}">
+                <a16:creationId xmlns:a16="http://schemas.microsoft.com/office/drawing/2014/main" id="{E7D8994A-514C-4C79-913C-95E8A32AC19D}"/>
+              </a:ext>
+            </a:extLst>
+          </p:cNvPr>
+          <p:cNvPicPr>
+            <a:picLocks noChangeAspect="1" noChangeArrowheads="1"/>
+          </p:cNvPicPr>
+          <p:nvPr/>
+        </p:nvPicPr>
+        <p:blipFill>
+          <a:blip r:embed="rId4">
+            <a:extLst>
+              <a:ext uri="{28A0092B-C50C-407E-A947-70E740481C1C}">
+                <a14:useLocalDpi xmlns:a14="http://schemas.microsoft.com/office/drawing/2010/main" val="0"/>
+              </a:ext>
+            </a:extLst>
+          </a:blip>
+          <a:srcRect/>
+          <a:stretch>
+            <a:fillRect/>
+          </a:stretch>
+        </p:blipFill>
+        <p:spPr bwMode="auto">
+          <a:xfrm>
+            <a:off x="8106769" y="3325295"/>
+            <a:ext cx="2238117" cy="2516758"/>
+          </a:xfrm>
+          <a:prstGeom prst="rect">
+            <a:avLst/>
+          </a:prstGeom>
+          <a:noFill/>
+          <a:extLst>
+            <a:ext uri="{909E8E84-426E-40DD-AFC4-6F175D3DCCD1}">
+              <a14:hiddenFill xmlns:a14="http://schemas.microsoft.com/office/drawing/2010/main">
+                <a:solidFill>
+                  <a:srgbClr val="FFFFFF"/>
+                </a:solidFill>
+              </a14:hiddenFill>
+            </a:ext>
+          </a:extLst>
+        </p:spPr>
+      </p:pic>
+      <p:sp>
+        <p:nvSpPr>
+          <p:cNvPr id="6" name="Rectangle 5">
+            <a:extLst>
+              <a:ext uri="{FF2B5EF4-FFF2-40B4-BE49-F238E27FC236}">
+                <a16:creationId xmlns:a16="http://schemas.microsoft.com/office/drawing/2014/main" id="{7DA342F6-9C35-4919-8CF2-5FCD25938C67}"/>
+              </a:ext>
+            </a:extLst>
+          </p:cNvPr>
+          <p:cNvSpPr/>
+          <p:nvPr/>
+        </p:nvSpPr>
+        <p:spPr>
+          <a:xfrm>
+            <a:off x="6982986" y="5682740"/>
+            <a:ext cx="4485681" cy="832870"/>
+          </a:xfrm>
+          <a:prstGeom prst="rect">
+            <a:avLst/>
+          </a:prstGeom>
+          <a:solidFill>
+            <a:srgbClr val="903E98"/>
+          </a:solidFill>
+          <a:ln>
+            <a:solidFill>
+              <a:srgbClr val="692D91"/>
+            </a:solidFill>
+          </a:ln>
+        </p:spPr>
+        <p:style>
+          <a:lnRef idx="2">
+            <a:schemeClr val="accent1">
+              <a:shade val="50000"/>
+            </a:schemeClr>
+          </a:lnRef>
+          <a:fillRef idx="1">
+            <a:schemeClr val="accent1"/>
+          </a:fillRef>
+          <a:effectRef idx="0">
+            <a:schemeClr val="accent1"/>
+          </a:effectRef>
+          <a:fontRef idx="minor">
+            <a:schemeClr val="lt1"/>
+          </a:fontRef>
+        </p:style>
+        <p:txBody>
+          <a:bodyPr rtlCol="0" anchor="ctr"/>
+          <a:lstStyle/>
+          <a:p>
+            <a:pPr algn="ctr"/>
+            <a:r>
+              <a:rPr lang="en-US" sz="2800" dirty="0"/>
+              <a:t>FLAX </a:t>
+            </a:r>
+            <a:br>
+              <a:rPr lang="en-US" sz="2800" dirty="0"/>
+            </a:br>
+            <a:r>
+              <a:rPr lang="en-US" sz="2800" dirty="0"/>
+              <a:t>neural network library in JAX</a:t>
+            </a:r>
+          </a:p>
+        </p:txBody>
+      </p:sp>
+    </p:spTree>
+    <p:extLst>
+      <p:ext uri="{BB962C8B-B14F-4D97-AF65-F5344CB8AC3E}">
+        <p14:creationId xmlns:p14="http://schemas.microsoft.com/office/powerpoint/2010/main" val="2087665053"/>
+      </p:ext>
+    </p:extLst>
+  </p:cSld>
+  <p:clrMapOvr>
+    <a:masterClrMapping/>
+  </p:clrMapOvr>
+</p:sld>
+</file>
+
+<file path=ppt/slides/slide14.xml><?xml version="1.0" encoding="utf-8"?>
+<p:sld xmlns:a="http://schemas.openxmlformats.org/drawingml/2006/main" xmlns:r="http://schemas.openxmlformats.org/officeDocument/2006/relationships" xmlns:p="http://schemas.openxmlformats.org/presentationml/2006/main">
+  <p:cSld>
+    <p:spTree>
+      <p:nvGrpSpPr>
+        <p:cNvPr id="1" name=""/>
+        <p:cNvGrpSpPr/>
+        <p:nvPr/>
+      </p:nvGrpSpPr>
+      <p:grpSpPr>
+        <a:xfrm>
+          <a:off x="0" y="0"/>
+          <a:ext cx="0" cy="0"/>
+          <a:chOff x="0" y="0"/>
+          <a:chExt cx="0" cy="0"/>
+        </a:xfrm>
+      </p:grpSpPr>
+      <p:sp>
+        <p:nvSpPr>
+          <p:cNvPr id="2" name="Titre 1">
+            <a:extLst>
+              <a:ext uri="{FF2B5EF4-FFF2-40B4-BE49-F238E27FC236}">
                 <a16:creationId xmlns:a16="http://schemas.microsoft.com/office/drawing/2014/main" id="{563510CA-3994-440D-9624-DEF4A6B4D263}"/>
               </a:ext>
             </a:extLst>
@@ -2914,7 +3579,7 @@
 </p:sld>
 </file>
 
-<file path=ppt/slides/slide14.xml><?xml version="1.0" encoding="utf-8"?>
+<file path=ppt/slides/slide15.xml><?xml version="1.0" encoding="utf-8"?>
 <p:sld xmlns:a="http://schemas.openxmlformats.org/drawingml/2006/main" xmlns:r="http://schemas.openxmlformats.org/officeDocument/2006/relationships" xmlns:p="http://schemas.openxmlformats.org/presentationml/2006/main">
   <p:cSld>
     <p:spTree>
@@ -3069,7 +3734,429 @@
 </p:sld>
 </file>
 
-<file path=ppt/slides/slide15.xml><?xml version="1.0" encoding="utf-8"?>
+<file path=ppt/slides/slide16.xml><?xml version="1.0" encoding="utf-8"?>
+<p:sld xmlns:a="http://schemas.openxmlformats.org/drawingml/2006/main" xmlns:r="http://schemas.openxmlformats.org/officeDocument/2006/relationships" xmlns:p="http://schemas.openxmlformats.org/presentationml/2006/main">
+  <p:cSld>
+    <p:spTree>
+      <p:nvGrpSpPr>
+        <p:cNvPr id="1" name=""/>
+        <p:cNvGrpSpPr/>
+        <p:nvPr/>
+      </p:nvGrpSpPr>
+      <p:grpSpPr>
+        <a:xfrm>
+          <a:off x="0" y="0"/>
+          <a:ext cx="0" cy="0"/>
+          <a:chOff x="0" y="0"/>
+          <a:chExt cx="0" cy="0"/>
+        </a:xfrm>
+      </p:grpSpPr>
+      <p:sp>
+        <p:nvSpPr>
+          <p:cNvPr id="2" name="Titre 1">
+            <a:extLst>
+              <a:ext uri="{FF2B5EF4-FFF2-40B4-BE49-F238E27FC236}">
+                <a16:creationId xmlns:a16="http://schemas.microsoft.com/office/drawing/2014/main" id="{DF68C136-996D-4F49-87AB-E812DA063D9A}"/>
+              </a:ext>
+            </a:extLst>
+          </p:cNvPr>
+          <p:cNvSpPr>
+            <a:spLocks noGrp="1"/>
+          </p:cNvSpPr>
+          <p:nvPr>
+            <p:ph type="title"/>
+          </p:nvPr>
+        </p:nvSpPr>
+        <p:spPr/>
+        <p:txBody>
+          <a:bodyPr/>
+          <a:lstStyle/>
+          <a:p>
+            <a:r>
+              <a:rPr lang="en-US" dirty="0"/>
+              <a:t>References</a:t>
+            </a:r>
+          </a:p>
+        </p:txBody>
+      </p:sp>
+      <p:sp>
+        <p:nvSpPr>
+          <p:cNvPr id="3" name="Espace réservé du texte 2">
+            <a:extLst>
+              <a:ext uri="{FF2B5EF4-FFF2-40B4-BE49-F238E27FC236}">
+                <a16:creationId xmlns:a16="http://schemas.microsoft.com/office/drawing/2014/main" id="{A984ECF7-0661-481E-81F7-C5680B97B7C2}"/>
+              </a:ext>
+            </a:extLst>
+          </p:cNvPr>
+          <p:cNvSpPr>
+            <a:spLocks noGrp="1"/>
+          </p:cNvSpPr>
+          <p:nvPr>
+            <p:ph type="body" sz="quarter" idx="10"/>
+          </p:nvPr>
+        </p:nvSpPr>
+        <p:spPr/>
+        <p:txBody>
+          <a:bodyPr/>
+          <a:lstStyle/>
+          <a:p>
+            <a:pPr marL="0" indent="0" algn="ctr">
+              <a:buNone/>
+            </a:pPr>
+            <a:r>
+              <a:rPr lang="en-US" dirty="0"/>
+              <a:t>“When you are copying from one source, it’s </a:t>
+            </a:r>
+            <a:r>
+              <a:rPr lang="en-US" i="1" dirty="0"/>
+              <a:t>plagiarism</a:t>
+            </a:r>
+            <a:r>
+              <a:rPr lang="en-US" dirty="0"/>
+              <a:t>; when you are copying from multiple sources, it’s </a:t>
+            </a:r>
+            <a:r>
+              <a:rPr lang="en-US" b="1" dirty="0"/>
+              <a:t>research</a:t>
+            </a:r>
+            <a:r>
+              <a:rPr lang="en-US" dirty="0"/>
+              <a:t>.”</a:t>
+            </a:r>
+          </a:p>
+          <a:p>
+            <a:pPr marL="0" indent="0" algn="r">
+              <a:buNone/>
+            </a:pPr>
+            <a:r>
+              <a:rPr lang="en-US" sz="2400" dirty="0"/>
+              <a:t>-- </a:t>
+            </a:r>
+            <a:r>
+              <a:rPr lang="en-US" sz="2400" b="0" i="0" dirty="0">
+                <a:solidFill>
+                  <a:srgbClr val="111111"/>
+                </a:solidFill>
+                <a:effectLst/>
+                <a:latin typeface="NonBreakingSpaceOverride"/>
+              </a:rPr>
+              <a:t>Prof. </a:t>
+            </a:r>
+            <a:r>
+              <a:rPr lang="en-US" sz="2400" b="0" i="0" dirty="0" err="1">
+                <a:solidFill>
+                  <a:srgbClr val="111111"/>
+                </a:solidFill>
+                <a:effectLst/>
+                <a:latin typeface="NonBreakingSpaceOverride"/>
+              </a:rPr>
+              <a:t>Notestein</a:t>
+            </a:r>
+            <a:r>
+              <a:rPr lang="en-US" sz="2400" b="0" i="0" dirty="0">
+                <a:solidFill>
+                  <a:srgbClr val="111111"/>
+                </a:solidFill>
+                <a:effectLst/>
+                <a:latin typeface="NonBreakingSpaceOverride"/>
+              </a:rPr>
+              <a:t>, Yale, 1929</a:t>
+            </a:r>
+            <a:endParaRPr lang="en-US" sz="2400" dirty="0"/>
+          </a:p>
+        </p:txBody>
+      </p:sp>
+      <p:pic>
+        <p:nvPicPr>
+          <p:cNvPr id="1026" name="Picture 2" descr="ma tête">
+            <a:extLst>
+              <a:ext uri="{FF2B5EF4-FFF2-40B4-BE49-F238E27FC236}">
+                <a16:creationId xmlns:a16="http://schemas.microsoft.com/office/drawing/2014/main" id="{B1E8C33F-0F3E-4B89-9CED-526DBC1F6B0A}"/>
+              </a:ext>
+            </a:extLst>
+          </p:cNvPr>
+          <p:cNvPicPr>
+            <a:picLocks noChangeAspect="1" noChangeArrowheads="1"/>
+          </p:cNvPicPr>
+          <p:nvPr/>
+        </p:nvPicPr>
+        <p:blipFill>
+          <a:blip r:embed="rId2">
+            <a:extLst>
+              <a:ext uri="{28A0092B-C50C-407E-A947-70E740481C1C}">
+                <a14:useLocalDpi xmlns:a14="http://schemas.microsoft.com/office/drawing/2010/main" val="0"/>
+              </a:ext>
+            </a:extLst>
+          </a:blip>
+          <a:srcRect/>
+          <a:stretch>
+            <a:fillRect/>
+          </a:stretch>
+        </p:blipFill>
+        <p:spPr bwMode="auto">
+          <a:xfrm>
+            <a:off x="838200" y="3079817"/>
+            <a:ext cx="1454752" cy="1322502"/>
+          </a:xfrm>
+          <a:prstGeom prst="rect">
+            <a:avLst/>
+          </a:prstGeom>
+          <a:noFill/>
+          <a:extLst>
+            <a:ext uri="{909E8E84-426E-40DD-AFC4-6F175D3DCCD1}">
+              <a14:hiddenFill xmlns:a14="http://schemas.microsoft.com/office/drawing/2010/main">
+                <a:solidFill>
+                  <a:srgbClr val="FFFFFF"/>
+                </a:solidFill>
+              </a14:hiddenFill>
+            </a:ext>
+          </a:extLst>
+        </p:spPr>
+      </p:pic>
+      <p:sp>
+        <p:nvSpPr>
+          <p:cNvPr id="4" name="ZoneTexte 3">
+            <a:extLst>
+              <a:ext uri="{FF2B5EF4-FFF2-40B4-BE49-F238E27FC236}">
+                <a16:creationId xmlns:a16="http://schemas.microsoft.com/office/drawing/2014/main" id="{6D5B0317-C344-42A2-8CE1-A15A84D6196F}"/>
+              </a:ext>
+            </a:extLst>
+          </p:cNvPr>
+          <p:cNvSpPr txBox="1"/>
+          <p:nvPr/>
+        </p:nvSpPr>
+        <p:spPr>
+          <a:xfrm>
+            <a:off x="2292952" y="3079817"/>
+            <a:ext cx="6040343" cy="923330"/>
+          </a:xfrm>
+          <a:prstGeom prst="rect">
+            <a:avLst/>
+          </a:prstGeom>
+          <a:noFill/>
+        </p:spPr>
+        <p:txBody>
+          <a:bodyPr wrap="square" rtlCol="0">
+            <a:spAutoFit/>
+          </a:bodyPr>
+          <a:lstStyle/>
+          <a:p>
+            <a:r>
+              <a:rPr lang="en-US" dirty="0"/>
+              <a:t>Prof. </a:t>
+            </a:r>
+            <a:r>
+              <a:rPr lang="en-US" b="1" dirty="0"/>
+              <a:t>Vincent </a:t>
+            </a:r>
+            <a:r>
+              <a:rPr lang="en-US" b="1" dirty="0" err="1"/>
+              <a:t>Guige</a:t>
+            </a:r>
+            <a:r>
+              <a:rPr lang="en-US" dirty="0"/>
+              <a:t>, </a:t>
+            </a:r>
+            <a:r>
+              <a:rPr lang="en-US" dirty="0" err="1"/>
+              <a:t>AgroParisTech</a:t>
+            </a:r>
+            <a:r>
+              <a:rPr lang="en-US" dirty="0"/>
+              <a:t> &amp; Sorbonne University, </a:t>
+            </a:r>
+          </a:p>
+          <a:p>
+            <a:r>
+              <a:rPr lang="en-US" dirty="0"/>
+              <a:t>here depicted with cool sunglasses, </a:t>
+            </a:r>
+            <a:r>
+              <a:rPr lang="en-US" dirty="0">
+                <a:hlinkClick r:id="rId3"/>
+              </a:rPr>
+              <a:t>https://vguigue.github.io/</a:t>
+            </a:r>
+            <a:endParaRPr lang="en-US" dirty="0"/>
+          </a:p>
+          <a:p>
+            <a:endParaRPr lang="en-US" dirty="0"/>
+          </a:p>
+        </p:txBody>
+      </p:sp>
+      <p:pic>
+        <p:nvPicPr>
+          <p:cNvPr id="1028" name="Picture 4" descr="front cover">
+            <a:extLst>
+              <a:ext uri="{FF2B5EF4-FFF2-40B4-BE49-F238E27FC236}">
+                <a16:creationId xmlns:a16="http://schemas.microsoft.com/office/drawing/2014/main" id="{B16633F5-5ED1-475A-A05A-A594A9175D5C}"/>
+              </a:ext>
+            </a:extLst>
+          </p:cNvPr>
+          <p:cNvPicPr>
+            <a:picLocks noChangeAspect="1" noChangeArrowheads="1"/>
+          </p:cNvPicPr>
+          <p:nvPr/>
+        </p:nvPicPr>
+        <p:blipFill>
+          <a:blip r:embed="rId4">
+            <a:extLst>
+              <a:ext uri="{28A0092B-C50C-407E-A947-70E740481C1C}">
+                <a14:useLocalDpi xmlns:a14="http://schemas.microsoft.com/office/drawing/2010/main" val="0"/>
+              </a:ext>
+            </a:extLst>
+          </a:blip>
+          <a:srcRect/>
+          <a:stretch>
+            <a:fillRect/>
+          </a:stretch>
+        </p:blipFill>
+        <p:spPr bwMode="auto">
+          <a:xfrm>
+            <a:off x="9779834" y="4166641"/>
+            <a:ext cx="1573965" cy="1762841"/>
+          </a:xfrm>
+          <a:prstGeom prst="rect">
+            <a:avLst/>
+          </a:prstGeom>
+          <a:noFill/>
+          <a:extLst>
+            <a:ext uri="{909E8E84-426E-40DD-AFC4-6F175D3DCCD1}">
+              <a14:hiddenFill xmlns:a14="http://schemas.microsoft.com/office/drawing/2010/main">
+                <a:solidFill>
+                  <a:srgbClr val="FFFFFF"/>
+                </a:solidFill>
+              </a14:hiddenFill>
+            </a:ext>
+          </a:extLst>
+        </p:spPr>
+      </p:pic>
+      <p:pic>
+        <p:nvPicPr>
+          <p:cNvPr id="1030" name="Picture 6" descr="Deep Learning with PyTorch: Build, train, and tune neural networks using Python tools">
+            <a:extLst>
+              <a:ext uri="{FF2B5EF4-FFF2-40B4-BE49-F238E27FC236}">
+                <a16:creationId xmlns:a16="http://schemas.microsoft.com/office/drawing/2014/main" id="{D2B2AE93-CF29-488E-9023-B37640B16984}"/>
+              </a:ext>
+            </a:extLst>
+          </p:cNvPr>
+          <p:cNvPicPr>
+            <a:picLocks noChangeAspect="1" noChangeArrowheads="1"/>
+          </p:cNvPicPr>
+          <p:nvPr/>
+        </p:nvPicPr>
+        <p:blipFill>
+          <a:blip r:embed="rId5" cstate="print">
+            <a:extLst>
+              <a:ext uri="{28A0092B-C50C-407E-A947-70E740481C1C}">
+                <a14:useLocalDpi xmlns:a14="http://schemas.microsoft.com/office/drawing/2010/main" val="0"/>
+              </a:ext>
+            </a:extLst>
+          </a:blip>
+          <a:srcRect/>
+          <a:stretch>
+            <a:fillRect/>
+          </a:stretch>
+        </p:blipFill>
+        <p:spPr bwMode="auto">
+          <a:xfrm>
+            <a:off x="8234311" y="4166287"/>
+            <a:ext cx="1406748" cy="1762842"/>
+          </a:xfrm>
+          <a:prstGeom prst="rect">
+            <a:avLst/>
+          </a:prstGeom>
+          <a:noFill/>
+          <a:extLst>
+            <a:ext uri="{909E8E84-426E-40DD-AFC4-6F175D3DCCD1}">
+              <a14:hiddenFill xmlns:a14="http://schemas.microsoft.com/office/drawing/2010/main">
+                <a:solidFill>
+                  <a:srgbClr val="FFFFFF"/>
+                </a:solidFill>
+              </a14:hiddenFill>
+            </a:ext>
+          </a:extLst>
+        </p:spPr>
+      </p:pic>
+      <p:sp>
+        <p:nvSpPr>
+          <p:cNvPr id="5" name="ZoneTexte 4">
+            <a:extLst>
+              <a:ext uri="{FF2B5EF4-FFF2-40B4-BE49-F238E27FC236}">
+                <a16:creationId xmlns:a16="http://schemas.microsoft.com/office/drawing/2014/main" id="{54FDBDE6-007C-4B36-8A91-8EA0E0E45606}"/>
+              </a:ext>
+            </a:extLst>
+          </p:cNvPr>
+          <p:cNvSpPr txBox="1"/>
+          <p:nvPr/>
+        </p:nvSpPr>
+        <p:spPr>
+          <a:xfrm>
+            <a:off x="523184" y="5314303"/>
+            <a:ext cx="7711126" cy="646331"/>
+          </a:xfrm>
+          <a:prstGeom prst="rect">
+            <a:avLst/>
+          </a:prstGeom>
+          <a:noFill/>
+        </p:spPr>
+        <p:txBody>
+          <a:bodyPr wrap="square" rtlCol="0">
+            <a:spAutoFit/>
+          </a:bodyPr>
+          <a:lstStyle/>
+          <a:p>
+            <a:pPr algn="r"/>
+            <a:r>
+              <a:rPr lang="en-US" dirty="0"/>
+              <a:t>“Understanding deep learning”, </a:t>
+            </a:r>
+            <a:r>
+              <a:rPr lang="en-US" dirty="0">
+                <a:hlinkClick r:id="rId6"/>
+              </a:rPr>
+              <a:t>https://udlbook.github.io/udlbook/</a:t>
+            </a:r>
+            <a:endParaRPr lang="en-US" dirty="0"/>
+          </a:p>
+          <a:p>
+            <a:pPr algn="r"/>
+            <a:r>
+              <a:rPr lang="en-US" dirty="0"/>
+              <a:t>“Deep learning with </a:t>
+            </a:r>
+            <a:r>
+              <a:rPr lang="en-US" dirty="0" err="1"/>
+              <a:t>pytorch</a:t>
+            </a:r>
+            <a:r>
+              <a:rPr lang="en-US" dirty="0"/>
+              <a:t>”, </a:t>
+            </a:r>
+            <a:r>
+              <a:rPr lang="en-US" dirty="0">
+                <a:hlinkClick r:id="rId7"/>
+              </a:rPr>
+              <a:t>https://github.com/deep-learning-with-pytorch/</a:t>
+            </a:r>
+            <a:endParaRPr lang="en-US" dirty="0"/>
+          </a:p>
+        </p:txBody>
+      </p:sp>
+    </p:spTree>
+    <p:extLst>
+      <p:ext uri="{BB962C8B-B14F-4D97-AF65-F5344CB8AC3E}">
+        <p14:creationId xmlns:p14="http://schemas.microsoft.com/office/powerpoint/2010/main" val="3393851523"/>
+      </p:ext>
+    </p:extLst>
+  </p:cSld>
+  <p:clrMapOvr>
+    <a:masterClrMapping/>
+  </p:clrMapOvr>
+</p:sld>
+</file>
+
+<file path=ppt/slides/slide17.xml><?xml version="1.0" encoding="utf-8"?>
 <p:sld xmlns:a="http://schemas.openxmlformats.org/drawingml/2006/main" xmlns:r="http://schemas.openxmlformats.org/officeDocument/2006/relationships" xmlns:p="http://schemas.openxmlformats.org/presentationml/2006/main">
   <p:cSld>
     <p:spTree>
@@ -3293,10 +4380,26 @@
         </p:nvSpPr>
         <p:spPr/>
         <p:txBody>
-          <a:bodyPr/>
+          <a:bodyPr>
+            <a:normAutofit/>
+          </a:bodyPr>
           <a:lstStyle/>
           <a:p>
-            <a:endParaRPr lang="en-US" dirty="0"/>
+            <a:pPr marL="0" indent="0" algn="ctr">
+              <a:buNone/>
+            </a:pPr>
+            <a:r>
+              <a:rPr lang="en-US" sz="4800" dirty="0"/>
+              <a:t>Give an overview of deep learning architectures and applications, using </a:t>
+            </a:r>
+            <a:r>
+              <a:rPr lang="en-US" sz="4800" b="1" dirty="0" err="1"/>
+              <a:t>pytorch</a:t>
+            </a:r>
+            <a:r>
+              <a:rPr lang="en-US" sz="4800" dirty="0"/>
+              <a:t> as the support library</a:t>
+            </a:r>
           </a:p>
         </p:txBody>
       </p:sp>
@@ -3370,32 +4473,20 @@
           <a:p>
             <a:r>
               <a:rPr lang="it-IT" dirty="0"/>
-              <a:t>Existential questions</a:t>
+              <a:t>Existential questions: who am I, why are we here?</a:t>
             </a:r>
           </a:p>
           <a:p>
             <a:r>
               <a:rPr lang="it-IT" dirty="0"/>
-              <a:t>Current state of the field</a:t>
+              <a:t>Current state of the field: why deep learning, why pytorch?</a:t>
             </a:r>
           </a:p>
           <a:p>
             <a:r>
               <a:rPr lang="it-IT" dirty="0"/>
-              <a:t>Planning</a:t>
-            </a:r>
-          </a:p>
-          <a:p>
-            <a:r>
-              <a:rPr lang="it-IT" dirty="0"/>
-              <a:t>Testing: is everything working properly on your machine?</a:t>
-            </a:r>
-          </a:p>
-          <a:p>
-            <a:pPr marL="0" indent="0">
-              <a:buNone/>
-            </a:pPr>
-            <a:endParaRPr lang="it-IT" dirty="0"/>
+              <a:t>(Tentative) Planning for the class</a:t>
+            </a:r>
           </a:p>
         </p:txBody>
       </p:sp>
@@ -4611,7 +5702,7 @@
             <a:pPr lvl="1"/>
             <a:r>
               <a:rPr lang="en-US" dirty="0"/>
-              <a:t>Charismatic influencers (Altman, </a:t>
+              <a:t>Charismatic influencers (Sam Altman, Eliezer </a:t>
             </a:r>
             <a:r>
               <a:rPr lang="en-US" dirty="0" err="1"/>
@@ -4619,7 +5710,7 @@
             </a:r>
             <a:r>
               <a:rPr lang="en-US" dirty="0"/>
-              <a:t>, Le </a:t>
+              <a:t>, Yan Le </a:t>
             </a:r>
             <a:r>
               <a:rPr lang="en-US" dirty="0" err="1"/>
@@ -4627,7 +5718,7 @@
             </a:r>
             <a:r>
               <a:rPr lang="en-US" dirty="0"/>
-              <a:t>, Marcus, …)</a:t>
+              <a:t>, Gary Marcus, …)</a:t>
             </a:r>
           </a:p>
           <a:p>
